--- a/case study for 0062.pptx
+++ b/case study for 0062.pptx
@@ -4086,11 +4086,37 @@
           <a:p>
             <a:r>
               <a:rPr lang="en-US" sz="2400" dirty="0" smtClean="0"/>
-              <a:t>Real-world commercial building </a:t>
+              <a:t>Real-world commercial building load (</a:t>
+            </a:r>
+            <a:r>
+              <a:rPr lang="en-US" altLang="zh-CN" sz="2400" dirty="0" smtClean="0"/>
+              <a:t>6/1/2016</a:t>
+            </a:r>
+            <a:r>
+              <a:rPr lang="zh-CN" altLang="en-US" sz="2400" dirty="0" smtClean="0"/>
+              <a:t> </a:t>
+            </a:r>
+            <a:r>
+              <a:rPr lang="mr-IN" altLang="zh-CN" sz="2400" dirty="0" smtClean="0"/>
+              <a:t>–</a:t>
+            </a:r>
+            <a:r>
+              <a:rPr lang="zh-CN" altLang="en-US" sz="2400" dirty="0" smtClean="0"/>
+              <a:t> </a:t>
+            </a:r>
+            <a:r>
+              <a:rPr lang="en-US" altLang="zh-CN" sz="2400" dirty="0" smtClean="0"/>
+              <a:t>6/30/2016</a:t>
             </a:r>
             <a:r>
               <a:rPr lang="en-US" sz="2400" dirty="0" smtClean="0"/>
-              <a:t>load and 100 EV travel data from CEC-</a:t>
+              <a:t>)</a:t>
+            </a:r>
+          </a:p>
+          <a:p>
+            <a:r>
+              <a:rPr lang="en-US" sz="2400" dirty="0" smtClean="0"/>
+              <a:t>100 EV travel data from CEC-</a:t>
             </a:r>
             <a:r>
               <a:rPr lang="en-US" sz="2400" dirty="0"/>
@@ -4098,28 +4124,46 @@
             </a:r>
             <a:r>
               <a:rPr lang="en-US" sz="2400" dirty="0" smtClean="0"/>
-              <a:t>BNL Alameda County demonstration project.</a:t>
-            </a:r>
-            <a:endParaRPr lang="en-US" sz="2400" dirty="0" smtClean="0"/>
+              <a:t>BNL Alameda County demonstration project</a:t>
+            </a:r>
           </a:p>
           <a:p>
             <a:r>
               <a:rPr lang="en-US" sz="2400" dirty="0" smtClean="0"/>
-              <a:t>100 </a:t>
-            </a:r>
+              <a:t>100 * 6.6kW chargers</a:t>
+            </a:r>
+          </a:p>
+          <a:p>
             <a:r>
               <a:rPr lang="en-US" sz="2400" dirty="0" smtClean="0"/>
-              <a:t>PEVs with 6.6kW chargers; PG&amp;E E-19 commercial user tariff. </a:t>
-            </a:r>
-          </a:p>
-          <a:p>
+              <a:t>PG&amp;E E-19 tariff</a:t>
+            </a:r>
+            <a:r>
+              <a:rPr lang="zh-CN" altLang="en-US" sz="2400" dirty="0" smtClean="0"/>
+              <a:t>（</a:t>
+            </a:r>
             <a:r>
               <a:rPr lang="en-US" sz="2400" dirty="0" smtClean="0"/>
-              <a:t>Building owners aims to minimize total charging cost and demand charge cost by perform smart charging algorithm, without </a:t>
+              <a:t>Medium general demand-metered </a:t>
+            </a:r>
+            <a:r>
+              <a:rPr lang="en-US" sz="2400" dirty="0"/>
+              <a:t>TOU </a:t>
             </a:r>
             <a:r>
               <a:rPr lang="en-US" sz="2400" dirty="0" smtClean="0"/>
-              <a:t>compromise </a:t>
+              <a:t>service) </a:t>
+            </a:r>
+            <a:r>
+              <a:rPr lang="en-US" sz="2400" baseline="30000" dirty="0" smtClean="0"/>
+              <a:t>[1]</a:t>
+            </a:r>
+            <a:endParaRPr lang="en-US" sz="2400" baseline="30000" dirty="0" smtClean="0"/>
+          </a:p>
+          <a:p>
+            <a:r>
+              <a:rPr lang="en-US" sz="2400" dirty="0" smtClean="0"/>
+              <a:t>Building manager aims to minimize monthly electricity bill (energy cost + demand charges) , without compromising </a:t>
             </a:r>
             <a:r>
               <a:rPr lang="en-US" sz="2400" dirty="0"/>
@@ -4127,7 +4171,7 @@
             </a:r>
             <a:r>
               <a:rPr lang="en-US" sz="2400" dirty="0" smtClean="0"/>
-              <a:t>from EV owners </a:t>
+              <a:t>from EV owners</a:t>
             </a:r>
             <a:endParaRPr lang="en-US" sz="2400" dirty="0"/>
           </a:p>
@@ -4155,7 +4199,7 @@
         </p:blipFill>
         <p:spPr>
           <a:xfrm>
-            <a:off x="4100541" y="3677288"/>
+            <a:off x="4100541" y="3728088"/>
             <a:ext cx="4190020" cy="2865306"/>
           </a:xfrm>
           <a:prstGeom prst="rect">
@@ -4185,7 +4229,7 @@
         </p:blipFill>
         <p:spPr>
           <a:xfrm>
-            <a:off x="48735" y="3603349"/>
+            <a:off x="48735" y="3654149"/>
             <a:ext cx="4124906" cy="2939245"/>
           </a:xfrm>
           <a:prstGeom prst="rect">
@@ -4215,7 +4259,7 @@
         </p:blipFill>
         <p:spPr>
           <a:xfrm>
-            <a:off x="8160841" y="3643768"/>
+            <a:off x="8160841" y="3694568"/>
             <a:ext cx="4031160" cy="2817991"/>
           </a:xfrm>
           <a:prstGeom prst="rect">
@@ -4223,6 +4267,43 @@
           </a:prstGeom>
         </p:spPr>
       </p:pic>
+      <p:sp>
+        <p:nvSpPr>
+          <p:cNvPr id="4" name="TextBox 3"/>
+          <p:cNvSpPr txBox="1"/>
+          <p:nvPr/>
+        </p:nvSpPr>
+        <p:spPr>
+          <a:xfrm>
+            <a:off x="465991" y="6593394"/>
+            <a:ext cx="10649049" cy="246221"/>
+          </a:xfrm>
+          <a:prstGeom prst="rect">
+            <a:avLst/>
+          </a:prstGeom>
+          <a:noFill/>
+        </p:spPr>
+        <p:txBody>
+          <a:bodyPr wrap="square" rtlCol="0">
+            <a:spAutoFit/>
+          </a:bodyPr>
+          <a:lstStyle/>
+          <a:p>
+            <a:r>
+              <a:rPr lang="en-US" sz="1000" dirty="0"/>
+              <a:t>1. https://</a:t>
+            </a:r>
+            <a:r>
+              <a:rPr lang="en-US" sz="1000" dirty="0" err="1"/>
+              <a:t>www.pge.com</a:t>
+            </a:r>
+            <a:r>
+              <a:rPr lang="en-US" sz="1000" dirty="0"/>
+              <a:t>/tariffs/tm2/pdf/ELEC_SCHEDS_E-19.pdf</a:t>
+            </a:r>
+          </a:p>
+        </p:txBody>
+      </p:sp>
     </p:spTree>
     <p:extLst>
       <p:ext uri="{BB962C8B-B14F-4D97-AF65-F5344CB8AC3E}">
@@ -4233,6 +4314,13 @@
   <p:clrMapOvr>
     <a:masterClrMapping/>
   </p:clrMapOvr>
+  <p:timing>
+    <p:tnLst>
+      <p:par>
+        <p:cTn id="1" dur="indefinite" restart="never" nodeType="tmRoot"/>
+      </p:par>
+    </p:tnLst>
+  </p:timing>
 </p:sld>
 </file>
 
@@ -4253,19 +4341,49 @@
           <a:chExt cx="0" cy="0"/>
         </a:xfrm>
       </p:grpSpPr>
-      <p:sp>
-        <p:nvSpPr>
-          <p:cNvPr id="2" name="Title 1"/>
-          <p:cNvSpPr>
-            <a:spLocks noGrp="1"/>
-          </p:cNvSpPr>
-          <p:nvPr>
-            <p:ph type="title"/>
-          </p:nvPr>
-        </p:nvSpPr>
+      <p:pic>
+        <p:nvPicPr>
+          <p:cNvPr id="9" name="Picture 8"/>
+          <p:cNvPicPr>
+            <a:picLocks noChangeAspect="1"/>
+          </p:cNvPicPr>
+          <p:nvPr/>
+        </p:nvPicPr>
+        <p:blipFill>
+          <a:blip r:embed="rId2">
+            <a:extLst>
+              <a:ext uri="{28A0092B-C50C-407E-A947-70E740481C1C}">
+                <a14:useLocalDpi xmlns:a14="http://schemas.microsoft.com/office/drawing/2010/main" val="0"/>
+              </a:ext>
+            </a:extLst>
+          </a:blip>
+          <a:stretch>
+            <a:fillRect/>
+          </a:stretch>
+        </p:blipFill>
         <p:spPr>
           <a:xfrm>
-            <a:off x="638907" y="165834"/>
+            <a:off x="0" y="903546"/>
+            <a:ext cx="8437880" cy="3623551"/>
+          </a:xfrm>
+          <a:prstGeom prst="rect">
+            <a:avLst/>
+          </a:prstGeom>
+        </p:spPr>
+      </p:pic>
+      <p:sp>
+        <p:nvSpPr>
+          <p:cNvPr id="2" name="Title 1"/>
+          <p:cNvSpPr>
+            <a:spLocks noGrp="1"/>
+          </p:cNvSpPr>
+          <p:nvPr>
+            <p:ph type="title"/>
+          </p:nvPr>
+        </p:nvSpPr>
+        <p:spPr>
+          <a:xfrm>
+            <a:off x="516791" y="79282"/>
             <a:ext cx="10169769" cy="643059"/>
           </a:xfrm>
         </p:spPr>
@@ -4292,13 +4410,13 @@
           <p:nvPr>
             <p:extLst>
               <p:ext uri="{D42A27DB-BD31-4B8C-83A1-F6EECF244321}">
-                <p14:modId xmlns:p14="http://schemas.microsoft.com/office/powerpoint/2010/main" val="1060561272"/>
+                <p14:modId xmlns:p14="http://schemas.microsoft.com/office/powerpoint/2010/main" val="718403909"/>
               </p:ext>
             </p:extLst>
           </p:nvPr>
         </p:nvGraphicFramePr>
         <p:xfrm>
-          <a:off x="841716" y="4895426"/>
+          <a:off x="1004276" y="4993455"/>
           <a:ext cx="9194800" cy="1483360"/>
         </p:xfrm>
         <a:graphic>
@@ -4320,8 +4438,8 @@
                     <a:lstStyle/>
                     <a:p>
                       <a:r>
-                        <a:rPr lang="en-US" dirty="0" err="1" smtClean="0"/>
-                        <a:t>Senarios</a:t>
+                        <a:rPr lang="en-US" dirty="0" smtClean="0"/>
+                        <a:t>Scenarios</a:t>
                       </a:r>
                       <a:endParaRPr lang="en-US" dirty="0"/>
                     </a:p>
@@ -4399,16 +4517,10 @@
                     <a:bodyPr/>
                     <a:lstStyle/>
                     <a:p>
-                      <a:endParaRPr lang="en-US"/>
-                    </a:p>
-                  </a:txBody>
-                  <a:tcPr/>
-                </a:tc>
-                <a:tc>
-                  <a:txBody>
-                    <a:bodyPr/>
-                    <a:lstStyle/>
-                    <a:p>
+                      <a:r>
+                        <a:rPr lang="en-US" dirty="0" smtClean="0"/>
+                        <a:t>80479.5</a:t>
+                      </a:r>
                       <a:endParaRPr lang="en-US" dirty="0"/>
                     </a:p>
                   </a:txBody>
@@ -4419,7 +4531,25 @@
                     <a:bodyPr/>
                     <a:lstStyle/>
                     <a:p>
-                      <a:endParaRPr lang="en-US"/>
+                      <a:r>
+                        <a:rPr lang="en-US" dirty="0" smtClean="0"/>
+                        <a:t>28376.5</a:t>
+                      </a:r>
+                      <a:endParaRPr lang="en-US" dirty="0"/>
+                    </a:p>
+                  </a:txBody>
+                  <a:tcPr/>
+                </a:tc>
+                <a:tc>
+                  <a:txBody>
+                    <a:bodyPr/>
+                    <a:lstStyle/>
+                    <a:p>
+                      <a:r>
+                        <a:rPr lang="en-US" dirty="0" smtClean="0"/>
+                        <a:t>108856.0</a:t>
+                      </a:r>
+                      <a:endParaRPr lang="en-US" dirty="0"/>
                     </a:p>
                   </a:txBody>
                   <a:tcPr/>
@@ -4445,7 +4575,11 @@
                     <a:bodyPr/>
                     <a:lstStyle/>
                     <a:p>
-                      <a:endParaRPr lang="en-US"/>
+                      <a:r>
+                        <a:rPr lang="en-US" dirty="0" smtClean="0"/>
+                        <a:t>87493.7</a:t>
+                      </a:r>
+                      <a:endParaRPr lang="en-US" dirty="0"/>
                     </a:p>
                   </a:txBody>
                   <a:tcPr/>
@@ -4455,7 +4589,11 @@
                     <a:bodyPr/>
                     <a:lstStyle/>
                     <a:p>
-                      <a:endParaRPr lang="en-US"/>
+                      <a:r>
+                        <a:rPr lang="en-US" altLang="zh-CN" dirty="0" smtClean="0"/>
+                        <a:t>36926.6</a:t>
+                      </a:r>
+                      <a:endParaRPr lang="en-US" dirty="0"/>
                     </a:p>
                   </a:txBody>
                   <a:tcPr/>
@@ -4465,7 +4603,11 @@
                     <a:bodyPr/>
                     <a:lstStyle/>
                     <a:p>
-                      <a:endParaRPr lang="en-US"/>
+                      <a:r>
+                        <a:rPr lang="en-US" dirty="0" smtClean="0"/>
+                        <a:t>124420.3</a:t>
+                      </a:r>
+                      <a:endParaRPr lang="en-US" dirty="0"/>
                     </a:p>
                   </a:txBody>
                   <a:tcPr/>
@@ -4491,7 +4633,11 @@
                     <a:bodyPr/>
                     <a:lstStyle/>
                     <a:p>
-                      <a:endParaRPr lang="en-US"/>
+                      <a:r>
+                        <a:rPr lang="en-US" altLang="zh-CN" dirty="0" smtClean="0"/>
+                        <a:t>87642.6</a:t>
+                      </a:r>
+                      <a:endParaRPr lang="en-US" dirty="0"/>
                     </a:p>
                   </a:txBody>
                   <a:tcPr/>
@@ -4501,7 +4647,11 @@
                     <a:bodyPr/>
                     <a:lstStyle/>
                     <a:p>
-                      <a:endParaRPr lang="en-US"/>
+                      <a:r>
+                        <a:rPr lang="en-US" dirty="0" smtClean="0"/>
+                        <a:t>29015.8</a:t>
+                      </a:r>
+                      <a:endParaRPr lang="en-US" dirty="0"/>
                     </a:p>
                   </a:txBody>
                   <a:tcPr/>
@@ -4511,6 +4661,10 @@
                     <a:bodyPr/>
                     <a:lstStyle/>
                     <a:p>
+                      <a:r>
+                        <a:rPr lang="en-US" altLang="zh-CN" dirty="0" smtClean="0"/>
+                        <a:t>116658.4</a:t>
+                      </a:r>
                       <a:endParaRPr lang="en-US" dirty="0"/>
                     </a:p>
                   </a:txBody>
@@ -4521,30 +4675,169 @@
           </a:graphicData>
         </a:graphic>
       </p:graphicFrame>
+      <p:sp>
+        <p:nvSpPr>
+          <p:cNvPr id="7" name="TextBox 6"/>
+          <p:cNvSpPr txBox="1"/>
+          <p:nvPr/>
+        </p:nvSpPr>
+        <p:spPr>
+          <a:xfrm>
+            <a:off x="5527040" y="2724785"/>
+            <a:ext cx="3881120" cy="1754326"/>
+          </a:xfrm>
+          <a:prstGeom prst="rect">
+            <a:avLst/>
+          </a:prstGeom>
+          <a:noFill/>
+          <a:ln w="25400">
+            <a:solidFill>
+              <a:schemeClr val="tx1"/>
+            </a:solidFill>
+            <a:prstDash val="dash"/>
+          </a:ln>
+        </p:spPr>
+        <p:txBody>
+          <a:bodyPr wrap="square" rtlCol="0">
+            <a:spAutoFit/>
+          </a:bodyPr>
+          <a:lstStyle/>
+          <a:p>
+            <a:r>
+              <a:rPr lang="en-US" dirty="0" smtClean="0"/>
+              <a:t>Assuming </a:t>
+            </a:r>
+            <a:r>
+              <a:rPr lang="en-US" dirty="0" smtClean="0">
+                <a:solidFill>
+                  <a:schemeClr val="accent1"/>
+                </a:solidFill>
+              </a:rPr>
+              <a:t>stationary battery storage</a:t>
+            </a:r>
+            <a:r>
+              <a:rPr lang="en-US" dirty="0" smtClean="0"/>
+              <a:t> is used to achieve the same effects, the battery should be </a:t>
+            </a:r>
+            <a:r>
+              <a:rPr lang="en-US" dirty="0" smtClean="0">
+                <a:solidFill>
+                  <a:srgbClr val="FF0000"/>
+                </a:solidFill>
+              </a:rPr>
+              <a:t>243kWh and 185kW</a:t>
+            </a:r>
+            <a:r>
+              <a:rPr lang="en-US" dirty="0" smtClean="0"/>
+              <a:t>.</a:t>
+            </a:r>
+          </a:p>
+          <a:p>
+            <a:endParaRPr lang="en-US" dirty="0" smtClean="0"/>
+          </a:p>
+          <a:p>
+            <a:r>
+              <a:rPr lang="en-US" dirty="0" smtClean="0"/>
+              <a:t>Based on tesla </a:t>
+            </a:r>
+            <a:r>
+              <a:rPr lang="en-US" dirty="0" err="1" smtClean="0"/>
+              <a:t>powerpack</a:t>
+            </a:r>
+            <a:r>
+              <a:rPr lang="en-US" dirty="0" smtClean="0"/>
+              <a:t> price</a:t>
+            </a:r>
+            <a:r>
+              <a:rPr lang="en-US" baseline="30000" dirty="0" smtClean="0"/>
+              <a:t>[1]</a:t>
+            </a:r>
+            <a:r>
+              <a:rPr lang="en-US" dirty="0" smtClean="0"/>
+              <a:t>, the capital cost will be : $96,741</a:t>
+            </a:r>
+            <a:endParaRPr lang="en-US" dirty="0"/>
+          </a:p>
+        </p:txBody>
+      </p:sp>
+      <p:sp>
+        <p:nvSpPr>
+          <p:cNvPr id="8" name="TextBox 7"/>
+          <p:cNvSpPr txBox="1"/>
+          <p:nvPr/>
+        </p:nvSpPr>
+        <p:spPr>
+          <a:xfrm>
+            <a:off x="1798320" y="808892"/>
+            <a:ext cx="4402796" cy="369332"/>
+          </a:xfrm>
+          <a:prstGeom prst="rect">
+            <a:avLst/>
+          </a:prstGeom>
+          <a:noFill/>
+        </p:spPr>
+        <p:txBody>
+          <a:bodyPr wrap="square" rtlCol="0">
+            <a:spAutoFit/>
+          </a:bodyPr>
+          <a:lstStyle/>
+          <a:p>
+            <a:r>
+              <a:rPr lang="en-US" smtClean="0"/>
+              <a:t>Load profiles on the peak day</a:t>
+            </a:r>
+            <a:endParaRPr lang="en-US"/>
+          </a:p>
+        </p:txBody>
+      </p:sp>
+      <p:sp>
+        <p:nvSpPr>
+          <p:cNvPr id="10" name="TextBox 9"/>
+          <p:cNvSpPr txBox="1"/>
+          <p:nvPr/>
+        </p:nvSpPr>
+        <p:spPr>
+          <a:xfrm>
+            <a:off x="2915920" y="4598574"/>
+            <a:ext cx="5943600" cy="369332"/>
+          </a:xfrm>
+          <a:prstGeom prst="rect">
+            <a:avLst/>
+          </a:prstGeom>
+          <a:noFill/>
+        </p:spPr>
+        <p:txBody>
+          <a:bodyPr wrap="square" rtlCol="0">
+            <a:spAutoFit/>
+          </a:bodyPr>
+          <a:lstStyle/>
+          <a:p>
+            <a:r>
+              <a:rPr lang="en-US" dirty="0" smtClean="0"/>
+              <a:t>Table 1. Monthly electricity bills in different scenarios</a:t>
+            </a:r>
+            <a:endParaRPr lang="en-US" dirty="0"/>
+          </a:p>
+        </p:txBody>
+      </p:sp>
       <p:pic>
         <p:nvPicPr>
-          <p:cNvPr id="6" name="Picture 5"/>
+          <p:cNvPr id="11" name="Picture 10"/>
           <p:cNvPicPr>
             <a:picLocks noChangeAspect="1"/>
           </p:cNvPicPr>
           <p:nvPr/>
         </p:nvPicPr>
         <p:blipFill>
-          <a:blip r:embed="rId2">
-            <a:extLst>
-              <a:ext uri="{28A0092B-C50C-407E-A947-70E740481C1C}">
-                <a14:useLocalDpi xmlns:a14="http://schemas.microsoft.com/office/drawing/2010/main" val="0"/>
-              </a:ext>
-            </a:extLst>
-          </a:blip>
+          <a:blip r:embed="rId3"/>
           <a:stretch>
             <a:fillRect/>
           </a:stretch>
         </p:blipFill>
         <p:spPr>
           <a:xfrm>
-            <a:off x="202027" y="930813"/>
-            <a:ext cx="8686800" cy="3568700"/>
+            <a:off x="9480620" y="808892"/>
+            <a:ext cx="2719297" cy="4212605"/>
           </a:xfrm>
           <a:prstGeom prst="rect">
             <a:avLst/>
@@ -4553,14 +4846,54 @@
       </p:pic>
       <p:sp>
         <p:nvSpPr>
-          <p:cNvPr id="7" name="TextBox 6"/>
+          <p:cNvPr id="12" name="Left-Right Arrow 11"/>
+          <p:cNvSpPr/>
+          <p:nvPr/>
+        </p:nvSpPr>
+        <p:spPr>
+          <a:xfrm>
+            <a:off x="6083820" y="2182090"/>
+            <a:ext cx="2907779" cy="305698"/>
+          </a:xfrm>
+          <a:prstGeom prst="leftRightArrow">
+            <a:avLst/>
+          </a:prstGeom>
+        </p:spPr>
+        <p:style>
+          <a:lnRef idx="2">
+            <a:schemeClr val="accent1">
+              <a:shade val="50000"/>
+            </a:schemeClr>
+          </a:lnRef>
+          <a:fillRef idx="1">
+            <a:schemeClr val="accent1"/>
+          </a:fillRef>
+          <a:effectRef idx="0">
+            <a:schemeClr val="accent1"/>
+          </a:effectRef>
+          <a:fontRef idx="minor">
+            <a:schemeClr val="lt1"/>
+          </a:fontRef>
+        </p:style>
+        <p:txBody>
+          <a:bodyPr rtlCol="0" anchor="ctr"/>
+          <a:lstStyle/>
+          <a:p>
+            <a:pPr algn="ctr"/>
+            <a:endParaRPr lang="en-US"/>
+          </a:p>
+        </p:txBody>
+      </p:sp>
+      <p:sp>
+        <p:nvSpPr>
+          <p:cNvPr id="13" name="TextBox 12"/>
           <p:cNvSpPr txBox="1"/>
           <p:nvPr/>
         </p:nvSpPr>
         <p:spPr>
           <a:xfrm>
-            <a:off x="6278880" y="2455195"/>
-            <a:ext cx="5689600" cy="1200329"/>
+            <a:off x="355600" y="6553200"/>
+            <a:ext cx="9843476" cy="246221"/>
           </a:xfrm>
           <a:prstGeom prst="rect">
             <a:avLst/>
@@ -4574,22 +4907,33 @@
           <a:lstStyle/>
           <a:p>
             <a:r>
-              <a:rPr lang="en-US" dirty="0" smtClean="0"/>
-              <a:t>If we use stationary battery storage to achieve the same effect:</a:t>
-            </a:r>
-          </a:p>
-          <a:p>
-            <a:r>
-              <a:rPr lang="en-US" dirty="0" smtClean="0"/>
-              <a:t>We need, 100kwh and 200kw</a:t>
-            </a:r>
-          </a:p>
-          <a:p>
-            <a:r>
-              <a:rPr lang="en-US" dirty="0" smtClean="0"/>
-              <a:t>Using tesla power pack price, the cost would be : $40,000</a:t>
-            </a:r>
-            <a:endParaRPr lang="en-US" dirty="0"/>
+              <a:rPr lang="en-US" sz="1000" dirty="0"/>
+              <a:t>1. Lambert, Fred (31 October 2016). "Tesla Powerwall 2 has no competition – comparison with LG </a:t>
+            </a:r>
+            <a:r>
+              <a:rPr lang="en-US" sz="1000" dirty="0" err="1"/>
+              <a:t>Resu</a:t>
+            </a:r>
+            <a:r>
+              <a:rPr lang="en-US" sz="1000" dirty="0"/>
+              <a:t> and </a:t>
+            </a:r>
+            <a:r>
+              <a:rPr lang="en-US" sz="1000" dirty="0" err="1"/>
+              <a:t>SonnenBatterie</a:t>
+            </a:r>
+            <a:r>
+              <a:rPr lang="en-US" sz="1000" dirty="0"/>
+              <a:t>". </a:t>
+            </a:r>
+            <a:r>
+              <a:rPr lang="en-US" sz="1000" dirty="0" err="1"/>
+              <a:t>Electrek</a:t>
+            </a:r>
+            <a:r>
+              <a:rPr lang="en-US" sz="1000" dirty="0"/>
+              <a:t>. Retrieved 1 November 2016.</a:t>
+            </a:r>
           </a:p>
         </p:txBody>
       </p:sp>
